--- a/Project presentation.pptx
+++ b/Project presentation.pptx
@@ -221,7 +221,7 @@
           <a:p>
             <a:fld id="{CA38C360-1451-4FAC-96AE-AED9435A5117}" type="datetimeFigureOut">
               <a:rPr lang="en-US" smtClean="0"/>
-              <a:t>9/2/2020</a:t>
+              <a:t>9/8/2020</a:t>
             </a:fld>
             <a:endParaRPr lang="en-US"/>
           </a:p>
@@ -835,7 +835,7 @@
           <a:p>
             <a:fld id="{A2D47140-E761-4776-BB05-B90A68E34D64}" type="datetimeFigureOut">
               <a:rPr lang="en-US" smtClean="0"/>
-              <a:t>9/2/2020</a:t>
+              <a:t>9/8/2020</a:t>
             </a:fld>
             <a:endParaRPr lang="en-US"/>
           </a:p>
@@ -1003,7 +1003,7 @@
           <a:p>
             <a:fld id="{A2D47140-E761-4776-BB05-B90A68E34D64}" type="datetimeFigureOut">
               <a:rPr lang="en-US" smtClean="0"/>
-              <a:t>9/2/2020</a:t>
+              <a:t>9/8/2020</a:t>
             </a:fld>
             <a:endParaRPr lang="en-US"/>
           </a:p>
@@ -1181,7 +1181,7 @@
           <a:p>
             <a:fld id="{A2D47140-E761-4776-BB05-B90A68E34D64}" type="datetimeFigureOut">
               <a:rPr lang="en-US" smtClean="0"/>
-              <a:t>9/2/2020</a:t>
+              <a:t>9/8/2020</a:t>
             </a:fld>
             <a:endParaRPr lang="en-US"/>
           </a:p>
@@ -1349,7 +1349,7 @@
           <a:p>
             <a:fld id="{A2D47140-E761-4776-BB05-B90A68E34D64}" type="datetimeFigureOut">
               <a:rPr lang="en-US" smtClean="0"/>
-              <a:t>9/2/2020</a:t>
+              <a:t>9/8/2020</a:t>
             </a:fld>
             <a:endParaRPr lang="en-US"/>
           </a:p>
@@ -1594,7 +1594,7 @@
           <a:p>
             <a:fld id="{A2D47140-E761-4776-BB05-B90A68E34D64}" type="datetimeFigureOut">
               <a:rPr lang="en-US" smtClean="0"/>
-              <a:t>9/2/2020</a:t>
+              <a:t>9/8/2020</a:t>
             </a:fld>
             <a:endParaRPr lang="en-US"/>
           </a:p>
@@ -1879,7 +1879,7 @@
           <a:p>
             <a:fld id="{A2D47140-E761-4776-BB05-B90A68E34D64}" type="datetimeFigureOut">
               <a:rPr lang="en-US" smtClean="0"/>
-              <a:t>9/2/2020</a:t>
+              <a:t>9/8/2020</a:t>
             </a:fld>
             <a:endParaRPr lang="en-US"/>
           </a:p>
@@ -2298,7 +2298,7 @@
           <a:p>
             <a:fld id="{A2D47140-E761-4776-BB05-B90A68E34D64}" type="datetimeFigureOut">
               <a:rPr lang="en-US" smtClean="0"/>
-              <a:t>9/2/2020</a:t>
+              <a:t>9/8/2020</a:t>
             </a:fld>
             <a:endParaRPr lang="en-US"/>
           </a:p>
@@ -2415,7 +2415,7 @@
           <a:p>
             <a:fld id="{A2D47140-E761-4776-BB05-B90A68E34D64}" type="datetimeFigureOut">
               <a:rPr lang="en-US" smtClean="0"/>
-              <a:t>9/2/2020</a:t>
+              <a:t>9/8/2020</a:t>
             </a:fld>
             <a:endParaRPr lang="en-US"/>
           </a:p>
@@ -2510,7 +2510,7 @@
           <a:p>
             <a:fld id="{A2D47140-E761-4776-BB05-B90A68E34D64}" type="datetimeFigureOut">
               <a:rPr lang="en-US" smtClean="0"/>
-              <a:t>9/2/2020</a:t>
+              <a:t>9/8/2020</a:t>
             </a:fld>
             <a:endParaRPr lang="en-US"/>
           </a:p>
@@ -2785,7 +2785,7 @@
           <a:p>
             <a:fld id="{A2D47140-E761-4776-BB05-B90A68E34D64}" type="datetimeFigureOut">
               <a:rPr lang="en-US" smtClean="0"/>
-              <a:t>9/2/2020</a:t>
+              <a:t>9/8/2020</a:t>
             </a:fld>
             <a:endParaRPr lang="en-US"/>
           </a:p>
@@ -3037,7 +3037,7 @@
           <a:p>
             <a:fld id="{A2D47140-E761-4776-BB05-B90A68E34D64}" type="datetimeFigureOut">
               <a:rPr lang="en-US" smtClean="0"/>
-              <a:t>9/2/2020</a:t>
+              <a:t>9/8/2020</a:t>
             </a:fld>
             <a:endParaRPr lang="en-US"/>
           </a:p>
@@ -3248,7 +3248,7 @@
           <a:p>
             <a:fld id="{A2D47140-E761-4776-BB05-B90A68E34D64}" type="datetimeFigureOut">
               <a:rPr lang="en-US" smtClean="0"/>
-              <a:t>9/2/2020</a:t>
+              <a:t>9/8/2020</a:t>
             </a:fld>
             <a:endParaRPr lang="en-US"/>
           </a:p>
